--- a/20240916-算法图解/算法图解.pptx
+++ b/20240916-算法图解/算法图解.pptx
@@ -22,8 +22,11 @@
     <p:sldId id="272" r:id="rId16"/>
     <p:sldId id="273" r:id="rId17"/>
     <p:sldId id="274" r:id="rId18"/>
-    <p:sldId id="260" r:id="rId19"/>
-    <p:sldId id="269" r:id="rId20"/>
+    <p:sldId id="275" r:id="rId19"/>
+    <p:sldId id="276" r:id="rId20"/>
+    <p:sldId id="277" r:id="rId21"/>
+    <p:sldId id="260" r:id="rId22"/>
+    <p:sldId id="269" r:id="rId23"/>
   </p:sldIdLst>
   <p:sldSz cx="12192000" cy="6858000"/>
   <p:notesSz cx="6858000" cy="9144000"/>
@@ -277,7 +280,7 @@
           <a:p>
             <a:fld id="{EF59164A-5282-42FA-B9DB-9C70FE9AEFEC}" type="datetimeFigureOut">
               <a:rPr lang="zh-CN" altLang="en-US" smtClean="0"/>
-              <a:t>2024/9/18</a:t>
+              <a:t>2024/9/19</a:t>
             </a:fld>
             <a:endParaRPr lang="zh-CN" altLang="en-US"/>
           </a:p>
@@ -475,7 +478,7 @@
           <a:p>
             <a:fld id="{EF59164A-5282-42FA-B9DB-9C70FE9AEFEC}" type="datetimeFigureOut">
               <a:rPr lang="zh-CN" altLang="en-US" smtClean="0"/>
-              <a:t>2024/9/18</a:t>
+              <a:t>2024/9/19</a:t>
             </a:fld>
             <a:endParaRPr lang="zh-CN" altLang="en-US"/>
           </a:p>
@@ -683,7 +686,7 @@
           <a:p>
             <a:fld id="{EF59164A-5282-42FA-B9DB-9C70FE9AEFEC}" type="datetimeFigureOut">
               <a:rPr lang="zh-CN" altLang="en-US" smtClean="0"/>
-              <a:t>2024/9/18</a:t>
+              <a:t>2024/9/19</a:t>
             </a:fld>
             <a:endParaRPr lang="zh-CN" altLang="en-US"/>
           </a:p>
@@ -881,7 +884,7 @@
           <a:p>
             <a:fld id="{EF59164A-5282-42FA-B9DB-9C70FE9AEFEC}" type="datetimeFigureOut">
               <a:rPr lang="zh-CN" altLang="en-US" smtClean="0"/>
-              <a:t>2024/9/18</a:t>
+              <a:t>2024/9/19</a:t>
             </a:fld>
             <a:endParaRPr lang="zh-CN" altLang="en-US"/>
           </a:p>
@@ -1156,7 +1159,7 @@
           <a:p>
             <a:fld id="{EF59164A-5282-42FA-B9DB-9C70FE9AEFEC}" type="datetimeFigureOut">
               <a:rPr lang="zh-CN" altLang="en-US" smtClean="0"/>
-              <a:t>2024/9/18</a:t>
+              <a:t>2024/9/19</a:t>
             </a:fld>
             <a:endParaRPr lang="zh-CN" altLang="en-US"/>
           </a:p>
@@ -1421,7 +1424,7 @@
           <a:p>
             <a:fld id="{EF59164A-5282-42FA-B9DB-9C70FE9AEFEC}" type="datetimeFigureOut">
               <a:rPr lang="zh-CN" altLang="en-US" smtClean="0"/>
-              <a:t>2024/9/18</a:t>
+              <a:t>2024/9/19</a:t>
             </a:fld>
             <a:endParaRPr lang="zh-CN" altLang="en-US"/>
           </a:p>
@@ -1833,7 +1836,7 @@
           <a:p>
             <a:fld id="{EF59164A-5282-42FA-B9DB-9C70FE9AEFEC}" type="datetimeFigureOut">
               <a:rPr lang="zh-CN" altLang="en-US" smtClean="0"/>
-              <a:t>2024/9/18</a:t>
+              <a:t>2024/9/19</a:t>
             </a:fld>
             <a:endParaRPr lang="zh-CN" altLang="en-US"/>
           </a:p>
@@ -1974,7 +1977,7 @@
           <a:p>
             <a:fld id="{EF59164A-5282-42FA-B9DB-9C70FE9AEFEC}" type="datetimeFigureOut">
               <a:rPr lang="zh-CN" altLang="en-US" smtClean="0"/>
-              <a:t>2024/9/18</a:t>
+              <a:t>2024/9/19</a:t>
             </a:fld>
             <a:endParaRPr lang="zh-CN" altLang="en-US"/>
           </a:p>
@@ -2087,7 +2090,7 @@
           <a:p>
             <a:fld id="{EF59164A-5282-42FA-B9DB-9C70FE9AEFEC}" type="datetimeFigureOut">
               <a:rPr lang="zh-CN" altLang="en-US" smtClean="0"/>
-              <a:t>2024/9/18</a:t>
+              <a:t>2024/9/19</a:t>
             </a:fld>
             <a:endParaRPr lang="zh-CN" altLang="en-US"/>
           </a:p>
@@ -2398,7 +2401,7 @@
           <a:p>
             <a:fld id="{EF59164A-5282-42FA-B9DB-9C70FE9AEFEC}" type="datetimeFigureOut">
               <a:rPr lang="zh-CN" altLang="en-US" smtClean="0"/>
-              <a:t>2024/9/18</a:t>
+              <a:t>2024/9/19</a:t>
             </a:fld>
             <a:endParaRPr lang="zh-CN" altLang="en-US"/>
           </a:p>
@@ -2686,7 +2689,7 @@
           <a:p>
             <a:fld id="{EF59164A-5282-42FA-B9DB-9C70FE9AEFEC}" type="datetimeFigureOut">
               <a:rPr lang="zh-CN" altLang="en-US" smtClean="0"/>
-              <a:t>2024/9/18</a:t>
+              <a:t>2024/9/19</a:t>
             </a:fld>
             <a:endParaRPr lang="zh-CN" altLang="en-US"/>
           </a:p>
@@ -2927,7 +2930,7 @@
           <a:p>
             <a:fld id="{EF59164A-5282-42FA-B9DB-9C70FE9AEFEC}" type="datetimeFigureOut">
               <a:rPr lang="zh-CN" altLang="en-US" smtClean="0"/>
-              <a:t>2024/9/18</a:t>
+              <a:t>2024/9/19</a:t>
             </a:fld>
             <a:endParaRPr lang="zh-CN" altLang="en-US"/>
           </a:p>
@@ -5082,7 +5085,9 @@
         </p:nvSpPr>
         <p:spPr/>
         <p:txBody>
-          <a:bodyPr/>
+          <a:bodyPr>
+            <a:normAutofit/>
+          </a:bodyPr>
           <a:lstStyle/>
           <a:p>
             <a:r>
@@ -5137,7 +5142,15 @@
             <a:pPr lvl="1"/>
             <a:r>
               <a:rPr lang="zh-CN" altLang="en-US" dirty="0"/>
-              <a:t>相同的</a:t>
+              <a:t>（</a:t>
+            </a:r>
+            <a:r>
+              <a:rPr lang="en-US" altLang="zh-CN" dirty="0"/>
+              <a:t>1</a:t>
+            </a:r>
+            <a:r>
+              <a:rPr lang="zh-CN" altLang="en-US" dirty="0"/>
+              <a:t>）相同的</a:t>
             </a:r>
             <a:r>
               <a:rPr lang="en-US" altLang="zh-CN" dirty="0"/>
@@ -5149,6 +5162,38 @@
             </a:r>
             <a:r>
               <a:rPr lang="en-US" altLang="zh-CN" dirty="0"/>
+              <a:t>index——consistent</a:t>
+            </a:r>
+            <a:r>
+              <a:rPr lang="zh-CN" altLang="en-US" dirty="0"/>
+              <a:t>一致性。</a:t>
+            </a:r>
+            <a:endParaRPr lang="en-US" altLang="zh-CN" dirty="0"/>
+          </a:p>
+          <a:p>
+            <a:pPr lvl="1"/>
+            <a:r>
+              <a:rPr lang="zh-CN" altLang="en-US" dirty="0"/>
+              <a:t>（</a:t>
+            </a:r>
+            <a:r>
+              <a:rPr lang="en-US" altLang="zh-CN" dirty="0"/>
+              <a:t>2</a:t>
+            </a:r>
+            <a:r>
+              <a:rPr lang="zh-CN" altLang="en-US" dirty="0"/>
+              <a:t>）不同的</a:t>
+            </a:r>
+            <a:r>
+              <a:rPr lang="en-US" altLang="zh-CN" dirty="0"/>
+              <a:t>input</a:t>
+            </a:r>
+            <a:r>
+              <a:rPr lang="zh-CN" altLang="en-US" dirty="0"/>
+              <a:t>获得不同的</a:t>
+            </a:r>
+            <a:r>
+              <a:rPr lang="en-US" altLang="zh-CN" dirty="0"/>
               <a:t>index</a:t>
             </a:r>
           </a:p>
@@ -5156,26 +5201,15 @@
             <a:pPr lvl="1"/>
             <a:r>
               <a:rPr lang="zh-CN" altLang="en-US" dirty="0"/>
-              <a:t>不同的</a:t>
-            </a:r>
-            <a:r>
-              <a:rPr lang="en-US" altLang="zh-CN" dirty="0"/>
-              <a:t>input</a:t>
-            </a:r>
-            <a:r>
-              <a:rPr lang="zh-CN" altLang="en-US" dirty="0"/>
-              <a:t>获得不同的</a:t>
-            </a:r>
-            <a:r>
-              <a:rPr lang="en-US" altLang="zh-CN" dirty="0"/>
-              <a:t>index</a:t>
-            </a:r>
-          </a:p>
-          <a:p>
-            <a:pPr lvl="1"/>
-            <a:r>
-              <a:rPr lang="zh-CN" altLang="en-US" dirty="0"/>
-              <a:t>获得的</a:t>
+              <a:t>（</a:t>
+            </a:r>
+            <a:r>
+              <a:rPr lang="en-US" altLang="zh-CN" dirty="0"/>
+              <a:t>3</a:t>
+            </a:r>
+            <a:r>
+              <a:rPr lang="zh-CN" altLang="en-US" dirty="0"/>
+              <a:t>）获得的</a:t>
             </a:r>
             <a:r>
               <a:rPr lang="en-US" altLang="zh-CN" dirty="0"/>
@@ -5221,10 +5255,9 @@
               <a:t>然后</a:t>
             </a:r>
             <a:r>
-              <a:rPr lang="en-US" altLang="zh-CN"/>
+              <a:rPr lang="en-US" altLang="zh-CN" dirty="0"/>
               <a:t>a[“hello”]=1</a:t>
             </a:r>
-            <a:endParaRPr lang="en-US" altLang="zh-CN" dirty="0"/>
           </a:p>
         </p:txBody>
       </p:sp>
@@ -5242,6 +5275,741 @@
 </file>
 
 <file path=ppt/slides/slide18.xml><?xml version="1.0" encoding="utf-8"?>
+<p:sld xmlns:a="http://schemas.openxmlformats.org/drawingml/2006/main" xmlns:r="http://schemas.openxmlformats.org/officeDocument/2006/relationships" xmlns:p="http://schemas.openxmlformats.org/presentationml/2006/main">
+  <p:cSld>
+    <p:spTree>
+      <p:nvGrpSpPr>
+        <p:cNvPr id="1" name=""/>
+        <p:cNvGrpSpPr/>
+        <p:nvPr/>
+      </p:nvGrpSpPr>
+      <p:grpSpPr>
+        <a:xfrm>
+          <a:off x="0" y="0"/>
+          <a:ext cx="0" cy="0"/>
+          <a:chOff x="0" y="0"/>
+          <a:chExt cx="0" cy="0"/>
+        </a:xfrm>
+      </p:grpSpPr>
+      <p:sp>
+        <p:nvSpPr>
+          <p:cNvPr id="2" name="标题 1">
+            <a:extLst>
+              <a:ext uri="{FF2B5EF4-FFF2-40B4-BE49-F238E27FC236}">
+                <a16:creationId xmlns:a16="http://schemas.microsoft.com/office/drawing/2014/main" id="{63B80247-9E18-4EF5-76BF-84BBBC65F878}"/>
+              </a:ext>
+            </a:extLst>
+          </p:cNvPr>
+          <p:cNvSpPr>
+            <a:spLocks noGrp="1"/>
+          </p:cNvSpPr>
+          <p:nvPr>
+            <p:ph type="title"/>
+          </p:nvPr>
+        </p:nvSpPr>
+        <p:spPr/>
+        <p:txBody>
+          <a:bodyPr/>
+          <a:lstStyle/>
+          <a:p>
+            <a:r>
+              <a:rPr lang="en-US" altLang="zh-CN" dirty="0"/>
+              <a:t>Exercise</a:t>
+            </a:r>
+            <a:endParaRPr lang="zh-CN" altLang="en-US" dirty="0"/>
+          </a:p>
+        </p:txBody>
+      </p:sp>
+      <p:sp>
+        <p:nvSpPr>
+          <p:cNvPr id="3" name="内容占位符 2">
+            <a:extLst>
+              <a:ext uri="{FF2B5EF4-FFF2-40B4-BE49-F238E27FC236}">
+                <a16:creationId xmlns:a16="http://schemas.microsoft.com/office/drawing/2014/main" id="{D0A707A5-91A1-5763-CD9A-95193BEC767B}"/>
+              </a:ext>
+            </a:extLst>
+          </p:cNvPr>
+          <p:cNvSpPr>
+            <a:spLocks noGrp="1"/>
+          </p:cNvSpPr>
+          <p:nvPr>
+            <p:ph idx="1"/>
+          </p:nvPr>
+        </p:nvSpPr>
+        <p:spPr/>
+        <p:txBody>
+          <a:bodyPr/>
+          <a:lstStyle/>
+          <a:p>
+            <a:r>
+              <a:rPr lang="zh-CN" altLang="en-US" strike="sngStrike" dirty="0"/>
+              <a:t>所以</a:t>
+            </a:r>
+            <a:r>
+              <a:rPr lang="en-US" altLang="zh-CN" strike="sngStrike" dirty="0"/>
+              <a:t>exercise </a:t>
+            </a:r>
+            <a:r>
+              <a:rPr lang="zh-CN" altLang="en-US" strike="sngStrike" dirty="0"/>
+              <a:t>中显然</a:t>
+            </a:r>
+            <a:r>
+              <a:rPr lang="en-US" altLang="zh-CN" strike="sngStrike" dirty="0"/>
+              <a:t>5.1</a:t>
+            </a:r>
+            <a:r>
+              <a:rPr lang="zh-CN" altLang="en-US" strike="sngStrike" dirty="0"/>
+              <a:t>不满足（</a:t>
+            </a:r>
+            <a:r>
+              <a:rPr lang="en-US" altLang="zh-CN" strike="sngStrike" dirty="0"/>
+              <a:t>2</a:t>
+            </a:r>
+            <a:r>
+              <a:rPr lang="zh-CN" altLang="en-US" strike="sngStrike" dirty="0"/>
+              <a:t>），</a:t>
+            </a:r>
+            <a:r>
+              <a:rPr lang="en-US" altLang="zh-CN" strike="sngStrike" dirty="0"/>
+              <a:t>5.2</a:t>
+            </a:r>
+            <a:r>
+              <a:rPr lang="zh-CN" altLang="en-US" strike="sngStrike" dirty="0"/>
+              <a:t>不满足（</a:t>
+            </a:r>
+            <a:r>
+              <a:rPr lang="en-US" altLang="zh-CN" strike="sngStrike" dirty="0"/>
+              <a:t>1</a:t>
+            </a:r>
+            <a:r>
+              <a:rPr lang="zh-CN" altLang="en-US" strike="sngStrike" dirty="0"/>
+              <a:t>），</a:t>
+            </a:r>
+            <a:r>
+              <a:rPr lang="en-US" altLang="zh-CN" strike="sngStrike" dirty="0"/>
+              <a:t>5.3</a:t>
+            </a:r>
+            <a:r>
+              <a:rPr lang="zh-CN" altLang="en-US" strike="sngStrike" dirty="0"/>
+              <a:t>满足，</a:t>
+            </a:r>
+            <a:r>
+              <a:rPr lang="en-US" altLang="zh-CN" strike="sngStrike" dirty="0"/>
+              <a:t>5.4</a:t>
+            </a:r>
+            <a:r>
+              <a:rPr lang="zh-CN" altLang="en-US" strike="sngStrike" dirty="0"/>
+              <a:t>应该不满足毕竟有可能有不同数组但长度相同</a:t>
+            </a:r>
+            <a:endParaRPr lang="en-US" altLang="zh-CN" strike="sngStrike" dirty="0"/>
+          </a:p>
+          <a:p>
+            <a:r>
+              <a:rPr lang="en-US" altLang="zh-CN" dirty="0"/>
+              <a:t>Consistent ,Not consistent , Not consistent , Consistent ——</a:t>
+            </a:r>
+            <a:r>
+              <a:rPr lang="zh-CN" altLang="en-US" dirty="0"/>
+              <a:t>这道题问的是“是否</a:t>
+            </a:r>
+            <a:r>
+              <a:rPr lang="en-US" altLang="zh-CN" dirty="0"/>
+              <a:t>consistent</a:t>
+            </a:r>
+            <a:r>
+              <a:rPr lang="zh-CN" altLang="en-US" dirty="0"/>
+              <a:t>”也就是只问了是不是</a:t>
+            </a:r>
+            <a:r>
+              <a:rPr lang="en-US" altLang="zh-CN" dirty="0"/>
+              <a:t>same </a:t>
+            </a:r>
+            <a:r>
+              <a:rPr lang="en-US" altLang="zh-CN" dirty="0" err="1"/>
+              <a:t>input</a:t>
+            </a:r>
+            <a:r>
+              <a:rPr lang="en-US" altLang="zh-CN" dirty="0" err="1">
+                <a:sym typeface="Wingdings" panose="05000000000000000000" pitchFamily="2" charset="2"/>
+              </a:rPr>
+              <a:t>same</a:t>
+            </a:r>
+            <a:r>
+              <a:rPr lang="en-US" altLang="zh-CN" dirty="0">
+                <a:sym typeface="Wingdings" panose="05000000000000000000" pitchFamily="2" charset="2"/>
+              </a:rPr>
+              <a:t> output</a:t>
+            </a:r>
+            <a:endParaRPr lang="zh-CN" altLang="en-US" dirty="0"/>
+          </a:p>
+        </p:txBody>
+      </p:sp>
+    </p:spTree>
+    <p:extLst>
+      <p:ext uri="{BB962C8B-B14F-4D97-AF65-F5344CB8AC3E}">
+        <p14:creationId xmlns:p14="http://schemas.microsoft.com/office/powerpoint/2010/main" val="1345600799"/>
+      </p:ext>
+    </p:extLst>
+  </p:cSld>
+  <p:clrMapOvr>
+    <a:masterClrMapping/>
+  </p:clrMapOvr>
+</p:sld>
+</file>
+
+<file path=ppt/slides/slide19.xml><?xml version="1.0" encoding="utf-8"?>
+<p:sld xmlns:a="http://schemas.openxmlformats.org/drawingml/2006/main" xmlns:r="http://schemas.openxmlformats.org/officeDocument/2006/relationships" xmlns:p="http://schemas.openxmlformats.org/presentationml/2006/main">
+  <p:cSld>
+    <p:spTree>
+      <p:nvGrpSpPr>
+        <p:cNvPr id="1" name=""/>
+        <p:cNvGrpSpPr/>
+        <p:nvPr/>
+      </p:nvGrpSpPr>
+      <p:grpSpPr>
+        <a:xfrm>
+          <a:off x="0" y="0"/>
+          <a:ext cx="0" cy="0"/>
+          <a:chOff x="0" y="0"/>
+          <a:chExt cx="0" cy="0"/>
+        </a:xfrm>
+      </p:grpSpPr>
+      <p:sp>
+        <p:nvSpPr>
+          <p:cNvPr id="2" name="标题 1">
+            <a:extLst>
+              <a:ext uri="{FF2B5EF4-FFF2-40B4-BE49-F238E27FC236}">
+                <a16:creationId xmlns:a16="http://schemas.microsoft.com/office/drawing/2014/main" id="{68686AD6-8AB2-7BAA-33AE-07C31AD936F7}"/>
+              </a:ext>
+            </a:extLst>
+          </p:cNvPr>
+          <p:cNvSpPr>
+            <a:spLocks noGrp="1"/>
+          </p:cNvSpPr>
+          <p:nvPr>
+            <p:ph type="title"/>
+          </p:nvPr>
+        </p:nvSpPr>
+        <p:spPr/>
+        <p:txBody>
+          <a:bodyPr/>
+          <a:lstStyle/>
+          <a:p>
+            <a:endParaRPr lang="zh-CN" altLang="en-US"/>
+          </a:p>
+        </p:txBody>
+      </p:sp>
+      <p:sp>
+        <p:nvSpPr>
+          <p:cNvPr id="3" name="内容占位符 2">
+            <a:extLst>
+              <a:ext uri="{FF2B5EF4-FFF2-40B4-BE49-F238E27FC236}">
+                <a16:creationId xmlns:a16="http://schemas.microsoft.com/office/drawing/2014/main" id="{24AC7130-ADE0-C10E-3EFB-51C0F84AD992}"/>
+              </a:ext>
+            </a:extLst>
+          </p:cNvPr>
+          <p:cNvSpPr>
+            <a:spLocks noGrp="1"/>
+          </p:cNvSpPr>
+          <p:nvPr>
+            <p:ph idx="1"/>
+          </p:nvPr>
+        </p:nvSpPr>
+        <p:spPr/>
+        <p:txBody>
+          <a:bodyPr/>
+          <a:lstStyle/>
+          <a:p>
+            <a:r>
+              <a:rPr lang="en-US" altLang="zh-CN" dirty="0" err="1"/>
+              <a:t>phone_book</a:t>
+            </a:r>
+            <a:r>
+              <a:rPr lang="en-US" altLang="zh-CN" dirty="0"/>
+              <a:t> = {}</a:t>
+            </a:r>
+            <a:r>
+              <a:rPr lang="zh-CN" altLang="en-US" dirty="0"/>
+              <a:t>与</a:t>
+            </a:r>
+            <a:r>
+              <a:rPr lang="en-US" altLang="zh-CN" dirty="0" err="1"/>
+              <a:t>phone_book</a:t>
+            </a:r>
+            <a:r>
+              <a:rPr lang="en-US" altLang="zh-CN" dirty="0"/>
+              <a:t> = </a:t>
+            </a:r>
+            <a:r>
+              <a:rPr lang="en-US" altLang="zh-CN" dirty="0" err="1"/>
+              <a:t>dict</a:t>
+            </a:r>
+            <a:r>
+              <a:rPr lang="en-US" altLang="zh-CN" dirty="0"/>
+              <a:t>()</a:t>
+            </a:r>
+            <a:r>
+              <a:rPr lang="zh-CN" altLang="en-US" dirty="0"/>
+              <a:t>等效</a:t>
+            </a:r>
+            <a:endParaRPr lang="en-US" altLang="zh-CN" dirty="0"/>
+          </a:p>
+          <a:p>
+            <a:r>
+              <a:rPr lang="zh-CN" altLang="en-US" dirty="0"/>
+              <a:t>散列表适合用于： </a:t>
+            </a:r>
+            <a:endParaRPr lang="en-US" altLang="zh-CN" dirty="0"/>
+          </a:p>
+          <a:p>
+            <a:pPr lvl="1"/>
+            <a:r>
+              <a:rPr lang="zh-CN" altLang="en-US" dirty="0"/>
+              <a:t>模拟映射关系； （电话簿、</a:t>
+            </a:r>
+            <a:r>
+              <a:rPr lang="en-US" altLang="zh-CN" dirty="0"/>
+              <a:t>DNS</a:t>
+            </a:r>
+            <a:r>
+              <a:rPr lang="zh-CN" altLang="en-US" dirty="0"/>
+              <a:t>）</a:t>
+            </a:r>
+            <a:endParaRPr lang="en-US" altLang="zh-CN" dirty="0"/>
+          </a:p>
+          <a:p>
+            <a:pPr lvl="1"/>
+            <a:r>
+              <a:rPr lang="zh-CN" altLang="en-US" dirty="0"/>
+              <a:t>防止重复；</a:t>
+            </a:r>
+            <a:r>
+              <a:rPr lang="en-US" altLang="zh-CN" dirty="0"/>
+              <a:t>	(</a:t>
+            </a:r>
+            <a:r>
+              <a:rPr lang="zh-CN" altLang="en-US" dirty="0"/>
+              <a:t>投票案例</a:t>
+            </a:r>
+            <a:r>
+              <a:rPr lang="en-US" altLang="zh-CN" dirty="0"/>
+              <a:t>)</a:t>
+            </a:r>
+            <a:r>
+              <a:rPr lang="zh-CN" altLang="en-US" dirty="0"/>
+              <a:t> </a:t>
+            </a:r>
+            <a:endParaRPr lang="en-US" altLang="zh-CN" dirty="0"/>
+          </a:p>
+          <a:p>
+            <a:pPr lvl="1"/>
+            <a:r>
+              <a:rPr lang="zh-CN" altLang="en-US" dirty="0"/>
+              <a:t>缓存</a:t>
+            </a:r>
+            <a:r>
+              <a:rPr lang="en-US" altLang="zh-CN" dirty="0"/>
+              <a:t>/</a:t>
+            </a:r>
+            <a:r>
+              <a:rPr lang="zh-CN" altLang="en-US" dirty="0"/>
+              <a:t>记住数据，以免服务器再通过处理来生成它们。  （</a:t>
+            </a:r>
+            <a:r>
+              <a:rPr lang="en-US" altLang="zh-CN" dirty="0"/>
+              <a:t>Amazon</a:t>
+            </a:r>
+            <a:r>
+              <a:rPr lang="zh-CN" altLang="en-US" dirty="0"/>
+              <a:t>缓存主页</a:t>
+            </a:r>
+            <a:r>
+              <a:rPr lang="en-US" altLang="zh-CN" dirty="0"/>
+              <a:t>,about</a:t>
+            </a:r>
+            <a:r>
+              <a:rPr lang="zh-CN" altLang="en-US" dirty="0"/>
+              <a:t>等）</a:t>
+            </a:r>
+            <a:endParaRPr lang="en-US" altLang="zh-CN" dirty="0"/>
+          </a:p>
+          <a:p>
+            <a:pPr lvl="1"/>
+            <a:endParaRPr lang="en-US" altLang="zh-CN" dirty="0"/>
+          </a:p>
+          <a:p>
+            <a:r>
+              <a:rPr lang="zh-CN" altLang="en-US" dirty="0"/>
+              <a:t>冲突</a:t>
+            </a:r>
+            <a:r>
+              <a:rPr lang="en-US" altLang="zh-CN" dirty="0"/>
+              <a:t>collision</a:t>
+            </a:r>
+          </a:p>
+          <a:p>
+            <a:r>
+              <a:rPr lang="en-US" altLang="zh-CN" dirty="0"/>
+              <a:t>O(1)</a:t>
+            </a:r>
+            <a:r>
+              <a:rPr lang="zh-CN" altLang="en-US" dirty="0"/>
+              <a:t> 意味着无论散列表包含一个元素还是</a:t>
+            </a:r>
+            <a:r>
+              <a:rPr lang="en-US" altLang="zh-CN" dirty="0"/>
+              <a:t>10</a:t>
+            </a:r>
+            <a:r>
+              <a:rPr lang="zh-CN" altLang="en-US" dirty="0"/>
+              <a:t>亿个元素，从其中获取数据所需的时间都</a:t>
+            </a:r>
+            <a:r>
+              <a:rPr lang="zh-CN" altLang="en-US" b="1" dirty="0">
+                <a:solidFill>
+                  <a:srgbClr val="FF0000"/>
+                </a:solidFill>
+              </a:rPr>
+              <a:t>相同</a:t>
+            </a:r>
+            <a:r>
+              <a:rPr lang="zh-CN" altLang="en-US" dirty="0"/>
+              <a:t>。</a:t>
+            </a:r>
+            <a:r>
+              <a:rPr lang="en-US" altLang="zh-CN" dirty="0"/>
+              <a:t>	</a:t>
+            </a:r>
+            <a:endParaRPr lang="zh-CN" altLang="en-US" dirty="0"/>
+          </a:p>
+        </p:txBody>
+      </p:sp>
+    </p:spTree>
+    <p:extLst>
+      <p:ext uri="{BB962C8B-B14F-4D97-AF65-F5344CB8AC3E}">
+        <p14:creationId xmlns:p14="http://schemas.microsoft.com/office/powerpoint/2010/main" val="3930485379"/>
+      </p:ext>
+    </p:extLst>
+  </p:cSld>
+  <p:clrMapOvr>
+    <a:masterClrMapping/>
+  </p:clrMapOvr>
+</p:sld>
+</file>
+
+<file path=ppt/slides/slide2.xml><?xml version="1.0" encoding="utf-8"?>
+<p:sld xmlns:a="http://schemas.openxmlformats.org/drawingml/2006/main" xmlns:r="http://schemas.openxmlformats.org/officeDocument/2006/relationships" xmlns:p="http://schemas.openxmlformats.org/presentationml/2006/main">
+  <p:cSld>
+    <p:spTree>
+      <p:nvGrpSpPr>
+        <p:cNvPr id="1" name=""/>
+        <p:cNvGrpSpPr/>
+        <p:nvPr/>
+      </p:nvGrpSpPr>
+      <p:grpSpPr>
+        <a:xfrm>
+          <a:off x="0" y="0"/>
+          <a:ext cx="0" cy="0"/>
+          <a:chOff x="0" y="0"/>
+          <a:chExt cx="0" cy="0"/>
+        </a:xfrm>
+      </p:grpSpPr>
+      <p:sp>
+        <p:nvSpPr>
+          <p:cNvPr id="2" name="标题 1">
+            <a:extLst>
+              <a:ext uri="{FF2B5EF4-FFF2-40B4-BE49-F238E27FC236}">
+                <a16:creationId xmlns:a16="http://schemas.microsoft.com/office/drawing/2014/main" id="{F07D6BDC-5F22-25F7-24BC-6075246C9A42}"/>
+              </a:ext>
+            </a:extLst>
+          </p:cNvPr>
+          <p:cNvSpPr>
+            <a:spLocks noGrp="1"/>
+          </p:cNvSpPr>
+          <p:nvPr>
+            <p:ph type="title"/>
+          </p:nvPr>
+        </p:nvSpPr>
+        <p:spPr/>
+        <p:txBody>
+          <a:bodyPr/>
+          <a:lstStyle/>
+          <a:p>
+            <a:endParaRPr lang="zh-CN" altLang="en-US" dirty="0"/>
+          </a:p>
+        </p:txBody>
+      </p:sp>
+      <p:sp>
+        <p:nvSpPr>
+          <p:cNvPr id="3" name="内容占位符 2">
+            <a:extLst>
+              <a:ext uri="{FF2B5EF4-FFF2-40B4-BE49-F238E27FC236}">
+                <a16:creationId xmlns:a16="http://schemas.microsoft.com/office/drawing/2014/main" id="{C00DF60F-EF6A-0A74-7211-223945BE5E8B}"/>
+              </a:ext>
+            </a:extLst>
+          </p:cNvPr>
+          <p:cNvSpPr>
+            <a:spLocks noGrp="1"/>
+          </p:cNvSpPr>
+          <p:nvPr>
+            <p:ph idx="1"/>
+          </p:nvPr>
+        </p:nvSpPr>
+        <p:spPr/>
+        <p:txBody>
+          <a:bodyPr/>
+          <a:lstStyle/>
+          <a:p>
+            <a:r>
+              <a:rPr lang="pt-BR" altLang="zh-CN" dirty="0"/>
+              <a:t>www.manning.com/books/grokking-algorithms</a:t>
+            </a:r>
+            <a:r>
+              <a:rPr lang="zh-CN" altLang="pt-BR" dirty="0"/>
+              <a:t>或</a:t>
+            </a:r>
+            <a:r>
+              <a:rPr lang="pt-BR" altLang="zh-CN" dirty="0"/>
+              <a:t>https://github.com/egonschiele/grokking_ algorithms</a:t>
+            </a:r>
+          </a:p>
+          <a:p>
+            <a:r>
+              <a:rPr lang="zh-CN" altLang="en-US" dirty="0"/>
+              <a:t>本书所有的示例代码都是使用</a:t>
+            </a:r>
+            <a:r>
+              <a:rPr lang="en-US" altLang="zh-CN" dirty="0"/>
+              <a:t>Python 2.7</a:t>
+            </a:r>
+            <a:r>
+              <a:rPr lang="zh-CN" altLang="en-US" dirty="0"/>
+              <a:t>编写的。</a:t>
+            </a:r>
+          </a:p>
+        </p:txBody>
+      </p:sp>
+    </p:spTree>
+    <p:extLst>
+      <p:ext uri="{BB962C8B-B14F-4D97-AF65-F5344CB8AC3E}">
+        <p14:creationId xmlns:p14="http://schemas.microsoft.com/office/powerpoint/2010/main" val="2434124563"/>
+      </p:ext>
+    </p:extLst>
+  </p:cSld>
+  <p:clrMapOvr>
+    <a:masterClrMapping/>
+  </p:clrMapOvr>
+</p:sld>
+</file>
+
+<file path=ppt/slides/slide20.xml><?xml version="1.0" encoding="utf-8"?>
+<p:sld xmlns:a="http://schemas.openxmlformats.org/drawingml/2006/main" xmlns:r="http://schemas.openxmlformats.org/officeDocument/2006/relationships" xmlns:p="http://schemas.openxmlformats.org/presentationml/2006/main">
+  <p:cSld>
+    <p:spTree>
+      <p:nvGrpSpPr>
+        <p:cNvPr id="1" name=""/>
+        <p:cNvGrpSpPr/>
+        <p:nvPr/>
+      </p:nvGrpSpPr>
+      <p:grpSpPr>
+        <a:xfrm>
+          <a:off x="0" y="0"/>
+          <a:ext cx="0" cy="0"/>
+          <a:chOff x="0" y="0"/>
+          <a:chExt cx="0" cy="0"/>
+        </a:xfrm>
+      </p:grpSpPr>
+      <p:sp>
+        <p:nvSpPr>
+          <p:cNvPr id="2" name="标题 1">
+            <a:extLst>
+              <a:ext uri="{FF2B5EF4-FFF2-40B4-BE49-F238E27FC236}">
+                <a16:creationId xmlns:a16="http://schemas.microsoft.com/office/drawing/2014/main" id="{8A4B6ADA-1E4D-6423-57E3-B0CA7865A005}"/>
+              </a:ext>
+            </a:extLst>
+          </p:cNvPr>
+          <p:cNvSpPr>
+            <a:spLocks noGrp="1"/>
+          </p:cNvSpPr>
+          <p:nvPr>
+            <p:ph type="title"/>
+          </p:nvPr>
+        </p:nvSpPr>
+        <p:spPr/>
+        <p:txBody>
+          <a:bodyPr/>
+          <a:lstStyle/>
+          <a:p>
+            <a:endParaRPr lang="zh-CN" altLang="en-US"/>
+          </a:p>
+        </p:txBody>
+      </p:sp>
+      <p:sp>
+        <p:nvSpPr>
+          <p:cNvPr id="3" name="内容占位符 2">
+            <a:extLst>
+              <a:ext uri="{FF2B5EF4-FFF2-40B4-BE49-F238E27FC236}">
+                <a16:creationId xmlns:a16="http://schemas.microsoft.com/office/drawing/2014/main" id="{F05568D2-1324-F9B1-F403-1F7662C71329}"/>
+              </a:ext>
+            </a:extLst>
+          </p:cNvPr>
+          <p:cNvSpPr>
+            <a:spLocks noGrp="1"/>
+          </p:cNvSpPr>
+          <p:nvPr>
+            <p:ph idx="1"/>
+          </p:nvPr>
+        </p:nvSpPr>
+        <p:spPr/>
+        <p:txBody>
+          <a:bodyPr/>
+          <a:lstStyle/>
+          <a:p>
+            <a:r>
+              <a:rPr lang="zh-CN" altLang="en-US" dirty="0"/>
+              <a:t>兼具数组和列表功能的散列表</a:t>
+            </a:r>
+            <a:r>
+              <a:rPr lang="en-US" altLang="zh-CN" dirty="0"/>
+              <a:t>hash table</a:t>
+            </a:r>
+            <a:r>
+              <a:rPr lang="zh-CN" altLang="en-US" dirty="0"/>
+              <a:t>出现了！但是就必须要减少最糟情况出现，即减少</a:t>
+            </a:r>
+            <a:r>
+              <a:rPr lang="en-US" altLang="zh-CN" dirty="0"/>
+              <a:t>collision</a:t>
+            </a:r>
+          </a:p>
+          <a:p>
+            <a:pPr lvl="1"/>
+            <a:r>
+              <a:rPr lang="en-US" altLang="zh-CN" dirty="0"/>
+              <a:t> A low load factor </a:t>
+            </a:r>
+            <a:r>
+              <a:rPr lang="zh-CN" altLang="en-US" dirty="0"/>
+              <a:t>填装因子</a:t>
+            </a:r>
+            <a:r>
+              <a:rPr lang="en-US" altLang="zh-CN" dirty="0"/>
+              <a:t> </a:t>
+            </a:r>
+          </a:p>
+          <a:p>
+            <a:pPr lvl="1"/>
+            <a:r>
+              <a:rPr lang="en-US" altLang="zh-CN" dirty="0"/>
+              <a:t> A good hash function </a:t>
+            </a:r>
+            <a:r>
+              <a:rPr lang="zh-CN" altLang="en-US" dirty="0"/>
+              <a:t>散列函数</a:t>
+            </a:r>
+            <a:endParaRPr lang="en-US" altLang="zh-CN" dirty="0"/>
+          </a:p>
+          <a:p>
+            <a:pPr lvl="1"/>
+            <a:endParaRPr lang="en-US" altLang="zh-CN" dirty="0"/>
+          </a:p>
+          <a:p>
+            <a:r>
+              <a:rPr lang="en-US" altLang="zh-CN" dirty="0">
+                <a:highlight>
+                  <a:srgbClr val="FFFF00"/>
+                </a:highlight>
+              </a:rPr>
+              <a:t>Load factor</a:t>
+            </a:r>
+            <a:r>
+              <a:rPr lang="zh-CN" altLang="en-US" dirty="0">
+                <a:highlight>
+                  <a:srgbClr val="FFFF00"/>
+                </a:highlight>
+              </a:rPr>
+              <a:t>是什么？ 待填入元素个数</a:t>
+            </a:r>
+            <a:r>
+              <a:rPr lang="en-US" altLang="zh-CN" dirty="0">
+                <a:highlight>
+                  <a:srgbClr val="FFFF00"/>
+                </a:highlight>
+              </a:rPr>
+              <a:t>/</a:t>
+            </a:r>
+            <a:r>
+              <a:rPr lang="zh-CN" altLang="en-US" dirty="0">
+                <a:highlight>
+                  <a:srgbClr val="FFFF00"/>
+                </a:highlight>
+              </a:rPr>
+              <a:t>散列表（数组形式啦）长度</a:t>
+            </a:r>
+            <a:r>
+              <a:rPr lang="en-US" altLang="zh-CN" dirty="0"/>
+              <a:t>	</a:t>
+            </a:r>
+            <a:r>
+              <a:rPr lang="zh-CN" altLang="en-US" dirty="0"/>
+              <a:t>如果差不多</a:t>
+            </a:r>
+            <a:r>
+              <a:rPr lang="en-US" altLang="zh-CN" dirty="0"/>
+              <a:t>1</a:t>
+            </a:r>
+            <a:r>
+              <a:rPr lang="zh-CN" altLang="en-US"/>
+              <a:t>就要调整长度了</a:t>
+            </a:r>
+            <a:endParaRPr lang="zh-CN" altLang="en-US" dirty="0"/>
+          </a:p>
+        </p:txBody>
+      </p:sp>
+      <p:pic>
+        <p:nvPicPr>
+          <p:cNvPr id="5" name="图片 4">
+            <a:extLst>
+              <a:ext uri="{FF2B5EF4-FFF2-40B4-BE49-F238E27FC236}">
+                <a16:creationId xmlns:a16="http://schemas.microsoft.com/office/drawing/2014/main" id="{BAE98FBE-90D4-C0CA-9118-033FC6B8F760}"/>
+              </a:ext>
+            </a:extLst>
+          </p:cNvPr>
+          <p:cNvPicPr>
+            <a:picLocks noChangeAspect="1"/>
+          </p:cNvPicPr>
+          <p:nvPr/>
+        </p:nvPicPr>
+        <p:blipFill>
+          <a:blip r:embed="rId2"/>
+          <a:stretch>
+            <a:fillRect/>
+          </a:stretch>
+        </p:blipFill>
+        <p:spPr>
+          <a:xfrm>
+            <a:off x="8724826" y="4611308"/>
+            <a:ext cx="3356338" cy="2246692"/>
+          </a:xfrm>
+          <a:prstGeom prst="rect">
+            <a:avLst/>
+          </a:prstGeom>
+        </p:spPr>
+      </p:pic>
+    </p:spTree>
+    <p:extLst>
+      <p:ext uri="{BB962C8B-B14F-4D97-AF65-F5344CB8AC3E}">
+        <p14:creationId xmlns:p14="http://schemas.microsoft.com/office/powerpoint/2010/main" val="2239004889"/>
+      </p:ext>
+    </p:extLst>
+  </p:cSld>
+  <p:clrMapOvr>
+    <a:masterClrMapping/>
+  </p:clrMapOvr>
+</p:sld>
+</file>
+
+<file path=ppt/slides/slide21.xml><?xml version="1.0" encoding="utf-8"?>
 <p:sld xmlns:a="http://schemas.openxmlformats.org/drawingml/2006/main" xmlns:r="http://schemas.openxmlformats.org/officeDocument/2006/relationships" xmlns:p="http://schemas.openxmlformats.org/presentationml/2006/main">
   <p:cSld>
     <p:spTree>
@@ -5602,7 +6370,7 @@
 </p:sld>
 </file>
 
-<file path=ppt/slides/slide19.xml><?xml version="1.0" encoding="utf-8"?>
+<file path=ppt/slides/slide22.xml><?xml version="1.0" encoding="utf-8"?>
 <p:sld xmlns:a="http://schemas.openxmlformats.org/drawingml/2006/main" xmlns:r="http://schemas.openxmlformats.org/officeDocument/2006/relationships" xmlns:p="http://schemas.openxmlformats.org/presentationml/2006/main">
   <p:cSld>
     <p:spTree>
@@ -5805,111 +6573,6 @@
     <p:extLst>
       <p:ext uri="{BB962C8B-B14F-4D97-AF65-F5344CB8AC3E}">
         <p14:creationId xmlns:p14="http://schemas.microsoft.com/office/powerpoint/2010/main" val="1117603899"/>
-      </p:ext>
-    </p:extLst>
-  </p:cSld>
-  <p:clrMapOvr>
-    <a:masterClrMapping/>
-  </p:clrMapOvr>
-</p:sld>
-</file>
-
-<file path=ppt/slides/slide2.xml><?xml version="1.0" encoding="utf-8"?>
-<p:sld xmlns:a="http://schemas.openxmlformats.org/drawingml/2006/main" xmlns:r="http://schemas.openxmlformats.org/officeDocument/2006/relationships" xmlns:p="http://schemas.openxmlformats.org/presentationml/2006/main">
-  <p:cSld>
-    <p:spTree>
-      <p:nvGrpSpPr>
-        <p:cNvPr id="1" name=""/>
-        <p:cNvGrpSpPr/>
-        <p:nvPr/>
-      </p:nvGrpSpPr>
-      <p:grpSpPr>
-        <a:xfrm>
-          <a:off x="0" y="0"/>
-          <a:ext cx="0" cy="0"/>
-          <a:chOff x="0" y="0"/>
-          <a:chExt cx="0" cy="0"/>
-        </a:xfrm>
-      </p:grpSpPr>
-      <p:sp>
-        <p:nvSpPr>
-          <p:cNvPr id="2" name="标题 1">
-            <a:extLst>
-              <a:ext uri="{FF2B5EF4-FFF2-40B4-BE49-F238E27FC236}">
-                <a16:creationId xmlns:a16="http://schemas.microsoft.com/office/drawing/2014/main" id="{F07D6BDC-5F22-25F7-24BC-6075246C9A42}"/>
-              </a:ext>
-            </a:extLst>
-          </p:cNvPr>
-          <p:cNvSpPr>
-            <a:spLocks noGrp="1"/>
-          </p:cNvSpPr>
-          <p:nvPr>
-            <p:ph type="title"/>
-          </p:nvPr>
-        </p:nvSpPr>
-        <p:spPr/>
-        <p:txBody>
-          <a:bodyPr/>
-          <a:lstStyle/>
-          <a:p>
-            <a:endParaRPr lang="zh-CN" altLang="en-US" dirty="0"/>
-          </a:p>
-        </p:txBody>
-      </p:sp>
-      <p:sp>
-        <p:nvSpPr>
-          <p:cNvPr id="3" name="内容占位符 2">
-            <a:extLst>
-              <a:ext uri="{FF2B5EF4-FFF2-40B4-BE49-F238E27FC236}">
-                <a16:creationId xmlns:a16="http://schemas.microsoft.com/office/drawing/2014/main" id="{C00DF60F-EF6A-0A74-7211-223945BE5E8B}"/>
-              </a:ext>
-            </a:extLst>
-          </p:cNvPr>
-          <p:cNvSpPr>
-            <a:spLocks noGrp="1"/>
-          </p:cNvSpPr>
-          <p:nvPr>
-            <p:ph idx="1"/>
-          </p:nvPr>
-        </p:nvSpPr>
-        <p:spPr/>
-        <p:txBody>
-          <a:bodyPr/>
-          <a:lstStyle/>
-          <a:p>
-            <a:r>
-              <a:rPr lang="pt-BR" altLang="zh-CN" dirty="0"/>
-              <a:t>www.manning.com/books/grokking-algorithms</a:t>
-            </a:r>
-            <a:r>
-              <a:rPr lang="zh-CN" altLang="pt-BR" dirty="0"/>
-              <a:t>或</a:t>
-            </a:r>
-            <a:r>
-              <a:rPr lang="pt-BR" altLang="zh-CN" dirty="0"/>
-              <a:t>https://github.com/egonschiele/grokking_ algorithms</a:t>
-            </a:r>
-          </a:p>
-          <a:p>
-            <a:r>
-              <a:rPr lang="zh-CN" altLang="en-US" dirty="0"/>
-              <a:t>本书所有的示例代码都是使用</a:t>
-            </a:r>
-            <a:r>
-              <a:rPr lang="en-US" altLang="zh-CN" dirty="0"/>
-              <a:t>Python 2.7</a:t>
-            </a:r>
-            <a:r>
-              <a:rPr lang="zh-CN" altLang="en-US" dirty="0"/>
-              <a:t>编写的。</a:t>
-            </a:r>
-          </a:p>
-        </p:txBody>
-      </p:sp>
-    </p:spTree>
-    <p:extLst>
-      <p:ext uri="{BB962C8B-B14F-4D97-AF65-F5344CB8AC3E}">
-        <p14:creationId xmlns:p14="http://schemas.microsoft.com/office/powerpoint/2010/main" val="2434124563"/>
       </p:ext>
     </p:extLst>
   </p:cSld>
@@ -6865,6 +7528,74 @@
           </a:prstGeom>
         </p:spPr>
       </p:pic>
+      <p:sp>
+        <p:nvSpPr>
+          <p:cNvPr id="6" name="文本框 5">
+            <a:extLst>
+              <a:ext uri="{FF2B5EF4-FFF2-40B4-BE49-F238E27FC236}">
+                <a16:creationId xmlns:a16="http://schemas.microsoft.com/office/drawing/2014/main" id="{CDA11AD3-F520-E2BB-ABAB-35FFEDB1E116}"/>
+              </a:ext>
+            </a:extLst>
+          </p:cNvPr>
+          <p:cNvSpPr txBox="1"/>
+          <p:nvPr/>
+        </p:nvSpPr>
+        <p:spPr>
+          <a:xfrm>
+            <a:off x="8534400" y="4581395"/>
+            <a:ext cx="3657600" cy="1200329"/>
+          </a:xfrm>
+          <a:prstGeom prst="rect">
+            <a:avLst/>
+          </a:prstGeom>
+          <a:noFill/>
+        </p:spPr>
+        <p:txBody>
+          <a:bodyPr wrap="square">
+            <a:spAutoFit/>
+          </a:bodyPr>
+          <a:lstStyle/>
+          <a:p>
+            <a:r>
+              <a:rPr lang="zh-CN" altLang="en-US" dirty="0"/>
+              <a:t>至于</a:t>
+            </a:r>
+            <a:r>
+              <a:rPr lang="en-US" altLang="zh-CN" dirty="0"/>
+              <a:t>O(1)</a:t>
+            </a:r>
+            <a:r>
+              <a:rPr lang="zh-CN" altLang="en-US" dirty="0"/>
+              <a:t>， 意味着无论散列表包含一个元素还是</a:t>
+            </a:r>
+            <a:r>
+              <a:rPr lang="en-US" altLang="zh-CN" dirty="0"/>
+              <a:t>10</a:t>
+            </a:r>
+            <a:r>
+              <a:rPr lang="zh-CN" altLang="en-US" dirty="0"/>
+              <a:t>亿个元素，从其中获取数据所需的时间都</a:t>
+            </a:r>
+            <a:r>
+              <a:rPr lang="zh-CN" altLang="en-US" b="1" dirty="0">
+                <a:solidFill>
+                  <a:srgbClr val="FF0000"/>
+                </a:solidFill>
+              </a:rPr>
+              <a:t>相同</a:t>
+            </a:r>
+            <a:r>
+              <a:rPr lang="zh-CN" altLang="en-US" dirty="0"/>
+              <a:t>。</a:t>
+            </a:r>
+            <a:r>
+              <a:rPr lang="en-US" altLang="zh-CN" dirty="0"/>
+              <a:t>	</a:t>
+            </a:r>
+            <a:endParaRPr lang="zh-CN" altLang="en-US" dirty="0"/>
+          </a:p>
+        </p:txBody>
+      </p:sp>
     </p:spTree>
     <p:extLst>
       <p:ext uri="{BB962C8B-B14F-4D97-AF65-F5344CB8AC3E}">

--- a/20240916-算法图解/算法图解.pptx
+++ b/20240916-算法图解/算法图解.pptx
@@ -25,8 +25,9 @@
     <p:sldId id="275" r:id="rId19"/>
     <p:sldId id="276" r:id="rId20"/>
     <p:sldId id="277" r:id="rId21"/>
-    <p:sldId id="260" r:id="rId22"/>
-    <p:sldId id="269" r:id="rId23"/>
+    <p:sldId id="278" r:id="rId22"/>
+    <p:sldId id="260" r:id="rId23"/>
+    <p:sldId id="269" r:id="rId24"/>
   </p:sldIdLst>
   <p:sldSz cx="12192000" cy="6858000"/>
   <p:notesSz cx="6858000" cy="9144000"/>
@@ -280,7 +281,7 @@
           <a:p>
             <a:fld id="{EF59164A-5282-42FA-B9DB-9C70FE9AEFEC}" type="datetimeFigureOut">
               <a:rPr lang="zh-CN" altLang="en-US" smtClean="0"/>
-              <a:t>2024/9/19</a:t>
+              <a:t>2024/9/20</a:t>
             </a:fld>
             <a:endParaRPr lang="zh-CN" altLang="en-US"/>
           </a:p>
@@ -478,7 +479,7 @@
           <a:p>
             <a:fld id="{EF59164A-5282-42FA-B9DB-9C70FE9AEFEC}" type="datetimeFigureOut">
               <a:rPr lang="zh-CN" altLang="en-US" smtClean="0"/>
-              <a:t>2024/9/19</a:t>
+              <a:t>2024/9/20</a:t>
             </a:fld>
             <a:endParaRPr lang="zh-CN" altLang="en-US"/>
           </a:p>
@@ -686,7 +687,7 @@
           <a:p>
             <a:fld id="{EF59164A-5282-42FA-B9DB-9C70FE9AEFEC}" type="datetimeFigureOut">
               <a:rPr lang="zh-CN" altLang="en-US" smtClean="0"/>
-              <a:t>2024/9/19</a:t>
+              <a:t>2024/9/20</a:t>
             </a:fld>
             <a:endParaRPr lang="zh-CN" altLang="en-US"/>
           </a:p>
@@ -884,7 +885,7 @@
           <a:p>
             <a:fld id="{EF59164A-5282-42FA-B9DB-9C70FE9AEFEC}" type="datetimeFigureOut">
               <a:rPr lang="zh-CN" altLang="en-US" smtClean="0"/>
-              <a:t>2024/9/19</a:t>
+              <a:t>2024/9/20</a:t>
             </a:fld>
             <a:endParaRPr lang="zh-CN" altLang="en-US"/>
           </a:p>
@@ -1159,7 +1160,7 @@
           <a:p>
             <a:fld id="{EF59164A-5282-42FA-B9DB-9C70FE9AEFEC}" type="datetimeFigureOut">
               <a:rPr lang="zh-CN" altLang="en-US" smtClean="0"/>
-              <a:t>2024/9/19</a:t>
+              <a:t>2024/9/20</a:t>
             </a:fld>
             <a:endParaRPr lang="zh-CN" altLang="en-US"/>
           </a:p>
@@ -1424,7 +1425,7 @@
           <a:p>
             <a:fld id="{EF59164A-5282-42FA-B9DB-9C70FE9AEFEC}" type="datetimeFigureOut">
               <a:rPr lang="zh-CN" altLang="en-US" smtClean="0"/>
-              <a:t>2024/9/19</a:t>
+              <a:t>2024/9/20</a:t>
             </a:fld>
             <a:endParaRPr lang="zh-CN" altLang="en-US"/>
           </a:p>
@@ -1836,7 +1837,7 @@
           <a:p>
             <a:fld id="{EF59164A-5282-42FA-B9DB-9C70FE9AEFEC}" type="datetimeFigureOut">
               <a:rPr lang="zh-CN" altLang="en-US" smtClean="0"/>
-              <a:t>2024/9/19</a:t>
+              <a:t>2024/9/20</a:t>
             </a:fld>
             <a:endParaRPr lang="zh-CN" altLang="en-US"/>
           </a:p>
@@ -1977,7 +1978,7 @@
           <a:p>
             <a:fld id="{EF59164A-5282-42FA-B9DB-9C70FE9AEFEC}" type="datetimeFigureOut">
               <a:rPr lang="zh-CN" altLang="en-US" smtClean="0"/>
-              <a:t>2024/9/19</a:t>
+              <a:t>2024/9/20</a:t>
             </a:fld>
             <a:endParaRPr lang="zh-CN" altLang="en-US"/>
           </a:p>
@@ -2090,7 +2091,7 @@
           <a:p>
             <a:fld id="{EF59164A-5282-42FA-B9DB-9C70FE9AEFEC}" type="datetimeFigureOut">
               <a:rPr lang="zh-CN" altLang="en-US" smtClean="0"/>
-              <a:t>2024/9/19</a:t>
+              <a:t>2024/9/20</a:t>
             </a:fld>
             <a:endParaRPr lang="zh-CN" altLang="en-US"/>
           </a:p>
@@ -2401,7 +2402,7 @@
           <a:p>
             <a:fld id="{EF59164A-5282-42FA-B9DB-9C70FE9AEFEC}" type="datetimeFigureOut">
               <a:rPr lang="zh-CN" altLang="en-US" smtClean="0"/>
-              <a:t>2024/9/19</a:t>
+              <a:t>2024/9/20</a:t>
             </a:fld>
             <a:endParaRPr lang="zh-CN" altLang="en-US"/>
           </a:p>
@@ -2689,7 +2690,7 @@
           <a:p>
             <a:fld id="{EF59164A-5282-42FA-B9DB-9C70FE9AEFEC}" type="datetimeFigureOut">
               <a:rPr lang="zh-CN" altLang="en-US" smtClean="0"/>
-              <a:t>2024/9/19</a:t>
+              <a:t>2024/9/20</a:t>
             </a:fld>
             <a:endParaRPr lang="zh-CN" altLang="en-US"/>
           </a:p>
@@ -2930,7 +2931,7 @@
           <a:p>
             <a:fld id="{EF59164A-5282-42FA-B9DB-9C70FE9AEFEC}" type="datetimeFigureOut">
               <a:rPr lang="zh-CN" altLang="en-US" smtClean="0"/>
-              <a:t>2024/9/19</a:t>
+              <a:t>2024/9/20</a:t>
             </a:fld>
             <a:endParaRPr lang="zh-CN" altLang="en-US"/>
           </a:p>
@@ -5907,7 +5908,26 @@
               <a:rPr lang="zh-CN" altLang="en-US" dirty="0"/>
               <a:t>散列函数</a:t>
             </a:r>
-            <a:endParaRPr lang="en-US" altLang="zh-CN" dirty="0"/>
+            <a:r>
+              <a:rPr lang="en-US" altLang="zh-CN" dirty="0"/>
+              <a:t>	</a:t>
+            </a:r>
+            <a:r>
+              <a:rPr lang="zh-CN" altLang="en-US" dirty="0"/>
+              <a:t>比如使用</a:t>
+            </a:r>
+            <a:r>
+              <a:rPr lang="en-US" altLang="zh-CN" dirty="0">
+                <a:highlight>
+                  <a:srgbClr val="FFFF00"/>
+                </a:highlight>
+              </a:rPr>
+              <a:t>SHA function</a:t>
+            </a:r>
+            <a:r>
+              <a:rPr lang="en-US" altLang="zh-CN" dirty="0"/>
+              <a:t> </a:t>
+            </a:r>
           </a:p>
           <a:p>
             <a:pPr lvl="1"/>
@@ -5959,10 +5979,9 @@
               <a:t>1</a:t>
             </a:r>
             <a:r>
-              <a:rPr lang="zh-CN" altLang="en-US"/>
+              <a:rPr lang="zh-CN" altLang="en-US" dirty="0"/>
               <a:t>就要调整长度了</a:t>
             </a:r>
-            <a:endParaRPr lang="zh-CN" altLang="en-US" dirty="0"/>
           </a:p>
         </p:txBody>
       </p:sp>
@@ -6010,6 +6029,107 @@
 </file>
 
 <file path=ppt/slides/slide21.xml><?xml version="1.0" encoding="utf-8"?>
+<p:sld xmlns:a="http://schemas.openxmlformats.org/drawingml/2006/main" xmlns:r="http://schemas.openxmlformats.org/officeDocument/2006/relationships" xmlns:p="http://schemas.openxmlformats.org/presentationml/2006/main">
+  <p:cSld>
+    <p:spTree>
+      <p:nvGrpSpPr>
+        <p:cNvPr id="1" name=""/>
+        <p:cNvGrpSpPr/>
+        <p:nvPr/>
+      </p:nvGrpSpPr>
+      <p:grpSpPr>
+        <a:xfrm>
+          <a:off x="0" y="0"/>
+          <a:ext cx="0" cy="0"/>
+          <a:chOff x="0" y="0"/>
+          <a:chExt cx="0" cy="0"/>
+        </a:xfrm>
+      </p:grpSpPr>
+      <p:sp>
+        <p:nvSpPr>
+          <p:cNvPr id="2" name="标题 1">
+            <a:extLst>
+              <a:ext uri="{FF2B5EF4-FFF2-40B4-BE49-F238E27FC236}">
+                <a16:creationId xmlns:a16="http://schemas.microsoft.com/office/drawing/2014/main" id="{1CF1AEAC-7FD0-41C0-70DB-5CD675371F0F}"/>
+              </a:ext>
+            </a:extLst>
+          </p:cNvPr>
+          <p:cNvSpPr>
+            <a:spLocks noGrp="1"/>
+          </p:cNvSpPr>
+          <p:nvPr>
+            <p:ph type="title"/>
+          </p:nvPr>
+        </p:nvSpPr>
+        <p:spPr/>
+        <p:txBody>
+          <a:bodyPr/>
+          <a:lstStyle/>
+          <a:p>
+            <a:r>
+              <a:rPr lang="zh-CN" altLang="en-US" dirty="0"/>
+              <a:t>练习</a:t>
+            </a:r>
+          </a:p>
+        </p:txBody>
+      </p:sp>
+      <p:sp>
+        <p:nvSpPr>
+          <p:cNvPr id="3" name="内容占位符 2">
+            <a:extLst>
+              <a:ext uri="{FF2B5EF4-FFF2-40B4-BE49-F238E27FC236}">
+                <a16:creationId xmlns:a16="http://schemas.microsoft.com/office/drawing/2014/main" id="{74560611-0356-77A9-0A8D-F9E8DB3E752E}"/>
+              </a:ext>
+            </a:extLst>
+          </p:cNvPr>
+          <p:cNvSpPr>
+            <a:spLocks noGrp="1"/>
+          </p:cNvSpPr>
+          <p:nvPr>
+            <p:ph idx="1"/>
+          </p:nvPr>
+        </p:nvSpPr>
+        <p:spPr/>
+        <p:txBody>
+          <a:bodyPr/>
+          <a:lstStyle/>
+          <a:p>
+            <a:r>
+              <a:rPr lang="en-US" altLang="zh-CN" dirty="0"/>
+              <a:t>5.5</a:t>
+            </a:r>
+          </a:p>
+          <a:p>
+            <a:r>
+              <a:rPr lang="en-US" altLang="zh-CN" dirty="0"/>
+              <a:t>5.6</a:t>
+            </a:r>
+          </a:p>
+          <a:p>
+            <a:r>
+              <a:rPr lang="en-US" altLang="zh-CN"/>
+              <a:t>5.7</a:t>
+            </a:r>
+          </a:p>
+          <a:p>
+            <a:endParaRPr lang="zh-CN" altLang="en-US"/>
+          </a:p>
+        </p:txBody>
+      </p:sp>
+    </p:spTree>
+    <p:extLst>
+      <p:ext uri="{BB962C8B-B14F-4D97-AF65-F5344CB8AC3E}">
+        <p14:creationId xmlns:p14="http://schemas.microsoft.com/office/powerpoint/2010/main" val="1589759103"/>
+      </p:ext>
+    </p:extLst>
+  </p:cSld>
+  <p:clrMapOvr>
+    <a:masterClrMapping/>
+  </p:clrMapOvr>
+</p:sld>
+</file>
+
+<file path=ppt/slides/slide22.xml><?xml version="1.0" encoding="utf-8"?>
 <p:sld xmlns:a="http://schemas.openxmlformats.org/drawingml/2006/main" xmlns:r="http://schemas.openxmlformats.org/officeDocument/2006/relationships" xmlns:p="http://schemas.openxmlformats.org/presentationml/2006/main">
   <p:cSld>
     <p:spTree>
@@ -6370,7 +6490,7 @@
 </p:sld>
 </file>
 
-<file path=ppt/slides/slide22.xml><?xml version="1.0" encoding="utf-8"?>
+<file path=ppt/slides/slide23.xml><?xml version="1.0" encoding="utf-8"?>
 <p:sld xmlns:a="http://schemas.openxmlformats.org/drawingml/2006/main" xmlns:r="http://schemas.openxmlformats.org/officeDocument/2006/relationships" xmlns:p="http://schemas.openxmlformats.org/presentationml/2006/main">
   <p:cSld>
     <p:spTree>
